--- a/2023/2023-03/2023-03-18/problem.pptx
+++ b/2023/2023-03/2023-03-18/problem.pptx
@@ -5,11 +5,8 @@
     <p:sldMasterId id="2147483732" r:id="rId1"/>
   </p:sldMasterIdLst>
   <p:sldIdLst>
-    <p:sldId id="256" r:id="rId2"/>
-    <p:sldId id="258" r:id="rId3"/>
-    <p:sldId id="265" r:id="rId4"/>
-    <p:sldId id="259" r:id="rId5"/>
-    <p:sldId id="266" r:id="rId6"/>
+    <p:sldId id="267" r:id="rId2"/>
+    <p:sldId id="265" r:id="rId3"/>
   </p:sldIdLst>
   <p:sldSz cx="12192000" cy="6858000"/>
   <p:notesSz cx="6858000" cy="9144000"/>
@@ -447,7 +444,7 @@
           <a:p>
             <a:fld id="{13CAB402-B863-4AA4-B7CA-C5BADD25EDE0}" type="datetimeFigureOut">
               <a:rPr lang="en-US" smtClean="0"/>
-              <a:t>3/20/2023</a:t>
+              <a:t>3/30/2023</a:t>
             </a:fld>
             <a:endParaRPr lang="en-US"/>
           </a:p>
@@ -771,7 +768,7 @@
           <a:p>
             <a:fld id="{13CAB402-B863-4AA4-B7CA-C5BADD25EDE0}" type="datetimeFigureOut">
               <a:rPr lang="en-US" smtClean="0"/>
-              <a:t>3/20/2023</a:t>
+              <a:t>3/30/2023</a:t>
             </a:fld>
             <a:endParaRPr lang="en-US"/>
           </a:p>
@@ -1019,7 +1016,7 @@
           <a:p>
             <a:fld id="{13CAB402-B863-4AA4-B7CA-C5BADD25EDE0}" type="datetimeFigureOut">
               <a:rPr lang="en-US" smtClean="0"/>
-              <a:t>3/20/2023</a:t>
+              <a:t>3/30/2023</a:t>
             </a:fld>
             <a:endParaRPr lang="en-US"/>
           </a:p>
@@ -1358,7 +1355,7 @@
           <a:p>
             <a:fld id="{13CAB402-B863-4AA4-B7CA-C5BADD25EDE0}" type="datetimeFigureOut">
               <a:rPr lang="en-US" smtClean="0"/>
-              <a:t>3/20/2023</a:t>
+              <a:t>3/30/2023</a:t>
             </a:fld>
             <a:endParaRPr lang="en-US"/>
           </a:p>
@@ -1705,7 +1702,7 @@
           <a:p>
             <a:fld id="{13CAB402-B863-4AA4-B7CA-C5BADD25EDE0}" type="datetimeFigureOut">
               <a:rPr lang="en-US" smtClean="0"/>
-              <a:t>3/20/2023</a:t>
+              <a:t>3/30/2023</a:t>
             </a:fld>
             <a:endParaRPr lang="en-US"/>
           </a:p>
@@ -2079,7 +2076,7 @@
           <a:p>
             <a:fld id="{13CAB402-B863-4AA4-B7CA-C5BADD25EDE0}" type="datetimeFigureOut">
               <a:rPr lang="en-US" smtClean="0"/>
-              <a:t>3/20/2023</a:t>
+              <a:t>3/30/2023</a:t>
             </a:fld>
             <a:endParaRPr lang="en-US"/>
           </a:p>
@@ -2549,7 +2546,7 @@
           <a:p>
             <a:fld id="{13CAB402-B863-4AA4-B7CA-C5BADD25EDE0}" type="datetimeFigureOut">
               <a:rPr lang="en-US" smtClean="0"/>
-              <a:t>3/20/2023</a:t>
+              <a:t>3/30/2023</a:t>
             </a:fld>
             <a:endParaRPr lang="en-US"/>
           </a:p>
@@ -2754,7 +2751,7 @@
           <a:p>
             <a:fld id="{13CAB402-B863-4AA4-B7CA-C5BADD25EDE0}" type="datetimeFigureOut">
               <a:rPr lang="en-US" smtClean="0"/>
-              <a:t>3/20/2023</a:t>
+              <a:t>3/30/2023</a:t>
             </a:fld>
             <a:endParaRPr lang="en-US"/>
           </a:p>
@@ -2965,7 +2962,7 @@
           <a:p>
             <a:fld id="{13CAB402-B863-4AA4-B7CA-C5BADD25EDE0}" type="datetimeFigureOut">
               <a:rPr lang="en-US" smtClean="0"/>
-              <a:t>3/20/2023</a:t>
+              <a:t>3/30/2023</a:t>
             </a:fld>
             <a:endParaRPr lang="en-US"/>
           </a:p>
@@ -3197,7 +3194,7 @@
           <a:p>
             <a:fld id="{13CAB402-B863-4AA4-B7CA-C5BADD25EDE0}" type="datetimeFigureOut">
               <a:rPr lang="en-US" smtClean="0"/>
-              <a:t>3/20/2023</a:t>
+              <a:t>3/30/2023</a:t>
             </a:fld>
             <a:endParaRPr lang="en-US"/>
           </a:p>
@@ -3445,7 +3442,7 @@
           <a:p>
             <a:fld id="{13CAB402-B863-4AA4-B7CA-C5BADD25EDE0}" type="datetimeFigureOut">
               <a:rPr lang="en-US" smtClean="0"/>
-              <a:t>3/20/2023</a:t>
+              <a:t>3/30/2023</a:t>
             </a:fld>
             <a:endParaRPr lang="en-US"/>
           </a:p>
@@ -3743,7 +3740,7 @@
           <a:p>
             <a:fld id="{13CAB402-B863-4AA4-B7CA-C5BADD25EDE0}" type="datetimeFigureOut">
               <a:rPr lang="en-US" smtClean="0"/>
-              <a:t>3/20/2023</a:t>
+              <a:t>3/30/2023</a:t>
             </a:fld>
             <a:endParaRPr lang="en-US"/>
           </a:p>
@@ -4137,7 +4134,7 @@
           <a:p>
             <a:fld id="{13CAB402-B863-4AA4-B7CA-C5BADD25EDE0}" type="datetimeFigureOut">
               <a:rPr lang="en-US" smtClean="0"/>
-              <a:t>3/20/2023</a:t>
+              <a:t>3/30/2023</a:t>
             </a:fld>
             <a:endParaRPr lang="en-US"/>
           </a:p>
@@ -4286,7 +4283,7 @@
           <a:p>
             <a:fld id="{13CAB402-B863-4AA4-B7CA-C5BADD25EDE0}" type="datetimeFigureOut">
               <a:rPr lang="en-US" smtClean="0"/>
-              <a:t>3/20/2023</a:t>
+              <a:t>3/30/2023</a:t>
             </a:fld>
             <a:endParaRPr lang="en-US"/>
           </a:p>
@@ -4412,7 +4409,7 @@
           <a:p>
             <a:fld id="{13CAB402-B863-4AA4-B7CA-C5BADD25EDE0}" type="datetimeFigureOut">
               <a:rPr lang="en-US" smtClean="0"/>
-              <a:t>3/20/2023</a:t>
+              <a:t>3/30/2023</a:t>
             </a:fld>
             <a:endParaRPr lang="en-US"/>
           </a:p>
@@ -4667,7 +4664,7 @@
           <a:p>
             <a:fld id="{13CAB402-B863-4AA4-B7CA-C5BADD25EDE0}" type="datetimeFigureOut">
               <a:rPr lang="en-US" smtClean="0"/>
-              <a:t>3/20/2023</a:t>
+              <a:t>3/30/2023</a:t>
             </a:fld>
             <a:endParaRPr lang="en-US"/>
           </a:p>
@@ -4982,7 +4979,7 @@
           <a:p>
             <a:fld id="{13CAB402-B863-4AA4-B7CA-C5BADD25EDE0}" type="datetimeFigureOut">
               <a:rPr lang="en-US" smtClean="0"/>
-              <a:t>3/20/2023</a:t>
+              <a:t>3/30/2023</a:t>
             </a:fld>
             <a:endParaRPr lang="en-US"/>
           </a:p>
@@ -5333,7 +5330,7 @@
           <a:p>
             <a:fld id="{13CAB402-B863-4AA4-B7CA-C5BADD25EDE0}" type="datetimeFigureOut">
               <a:rPr lang="en-US" smtClean="0"/>
-              <a:t>3/20/2023</a:t>
+              <a:t>3/30/2023</a:t>
             </a:fld>
             <a:endParaRPr lang="en-US"/>
           </a:p>
@@ -5881,7 +5878,7 @@
           <p:cNvPr id="2" name="Title 1">
             <a:extLst>
               <a:ext uri="{FF2B5EF4-FFF2-40B4-BE49-F238E27FC236}">
-                <a16:creationId xmlns:a16="http://schemas.microsoft.com/office/drawing/2014/main" id="{CA317722-9261-B16F-DF2C-8CF6D23E8851}"/>
+                <a16:creationId xmlns:a16="http://schemas.microsoft.com/office/drawing/2014/main" id="{26B20EA6-5AF8-B6D4-EE5F-A51629946381}"/>
               </a:ext>
             </a:extLst>
           </p:cNvPr>
@@ -5889,7 +5886,7 @@
             <a:spLocks noGrp="1"/>
           </p:cNvSpPr>
           <p:nvPr>
-            <p:ph type="ctrTitle"/>
+            <p:ph type="title"/>
           </p:nvPr>
         </p:nvSpPr>
         <p:spPr/>
@@ -5898,18 +5895,19 @@
           <a:lstStyle/>
           <a:p>
             <a:r>
-              <a:rPr lang="en-US" dirty="0"/>
-              <a:t>Problem</a:t>
-            </a:r>
-          </a:p>
-        </p:txBody>
-      </p:sp>
-      <p:sp>
-        <p:nvSpPr>
-          <p:cNvPr id="3" name="Subtitle 2">
+              <a:rPr lang="en-US"/>
+              <a:t>Problems</a:t>
+            </a:r>
+            <a:endParaRPr lang="en-US" dirty="0"/>
+          </a:p>
+        </p:txBody>
+      </p:sp>
+      <p:sp>
+        <p:nvSpPr>
+          <p:cNvPr id="3" name="Content Placeholder 2">
             <a:extLst>
               <a:ext uri="{FF2B5EF4-FFF2-40B4-BE49-F238E27FC236}">
-                <a16:creationId xmlns:a16="http://schemas.microsoft.com/office/drawing/2014/main" id="{043C9A1C-775D-C72F-DB2C-E4FD1E85D80F}"/>
+                <a16:creationId xmlns:a16="http://schemas.microsoft.com/office/drawing/2014/main" id="{D74BD69E-232B-0C1F-D32F-405DF0FAC241}"/>
               </a:ext>
             </a:extLst>
           </p:cNvPr>
@@ -5917,7 +5915,7 @@
             <a:spLocks noGrp="1"/>
           </p:cNvSpPr>
           <p:nvPr>
-            <p:ph type="subTitle" idx="1"/>
+            <p:ph idx="1"/>
           </p:nvPr>
         </p:nvSpPr>
         <p:spPr/>
@@ -5925,14 +5923,17 @@
           <a:bodyPr/>
           <a:lstStyle/>
           <a:p>
-            <a:endParaRPr lang="en-US" dirty="0"/>
+            <a:r>
+              <a:rPr lang="en-US" dirty="0"/>
+              <a:t>What are the least number of strokes to draw each of following images.</a:t>
+            </a:r>
           </a:p>
         </p:txBody>
       </p:sp>
     </p:spTree>
     <p:extLst>
       <p:ext uri="{BB962C8B-B14F-4D97-AF65-F5344CB8AC3E}">
-        <p14:creationId xmlns:p14="http://schemas.microsoft.com/office/powerpoint/2010/main" val="19180934"/>
+        <p14:creationId xmlns:p14="http://schemas.microsoft.com/office/powerpoint/2010/main" val="2379051818"/>
       </p:ext>
     </p:extLst>
   </p:cSld>
@@ -5943,66 +5944,6 @@
 </file>
 
 <file path=ppt/slides/slide2.xml><?xml version="1.0" encoding="utf-8"?>
-<p:sld xmlns:a="http://schemas.openxmlformats.org/drawingml/2006/main" xmlns:r="http://schemas.openxmlformats.org/officeDocument/2006/relationships" xmlns:p="http://schemas.openxmlformats.org/presentationml/2006/main">
-  <p:cSld>
-    <p:spTree>
-      <p:nvGrpSpPr>
-        <p:cNvPr id="1" name=""/>
-        <p:cNvGrpSpPr/>
-        <p:nvPr/>
-      </p:nvGrpSpPr>
-      <p:grpSpPr>
-        <a:xfrm>
-          <a:off x="0" y="0"/>
-          <a:ext cx="0" cy="0"/>
-          <a:chOff x="0" y="0"/>
-          <a:chExt cx="0" cy="0"/>
-        </a:xfrm>
-      </p:grpSpPr>
-      <p:sp>
-        <p:nvSpPr>
-          <p:cNvPr id="2" name="Title 1">
-            <a:extLst>
-              <a:ext uri="{FF2B5EF4-FFF2-40B4-BE49-F238E27FC236}">
-                <a16:creationId xmlns:a16="http://schemas.microsoft.com/office/drawing/2014/main" id="{B901A517-98D6-700B-03D7-654147AFC7D7}"/>
-              </a:ext>
-            </a:extLst>
-          </p:cNvPr>
-          <p:cNvSpPr>
-            <a:spLocks noGrp="1"/>
-          </p:cNvSpPr>
-          <p:nvPr>
-            <p:ph type="title"/>
-          </p:nvPr>
-        </p:nvSpPr>
-        <p:spPr/>
-        <p:txBody>
-          <a:bodyPr>
-            <a:normAutofit fontScale="90000"/>
-          </a:bodyPr>
-          <a:lstStyle/>
-          <a:p>
-            <a:r>
-              <a:rPr lang="en-US" dirty="0"/>
-              <a:t>What are the least number of strokes to draw each of following images.</a:t>
-            </a:r>
-          </a:p>
-        </p:txBody>
-      </p:sp>
-    </p:spTree>
-    <p:extLst>
-      <p:ext uri="{BB962C8B-B14F-4D97-AF65-F5344CB8AC3E}">
-        <p14:creationId xmlns:p14="http://schemas.microsoft.com/office/powerpoint/2010/main" val="356587805"/>
-      </p:ext>
-    </p:extLst>
-  </p:cSld>
-  <p:clrMapOvr>
-    <a:masterClrMapping/>
-  </p:clrMapOvr>
-</p:sld>
-</file>
-
-<file path=ppt/slides/slide3.xml><?xml version="1.0" encoding="utf-8"?>
 <p:sld xmlns:a="http://schemas.openxmlformats.org/drawingml/2006/main" xmlns:r="http://schemas.openxmlformats.org/officeDocument/2006/relationships" xmlns:p="http://schemas.openxmlformats.org/presentationml/2006/main">
   <p:cSld>
     <p:spTree>
@@ -7969,180 +7910,6 @@
 </p:sld>
 </file>
 
-<file path=ppt/slides/slide4.xml><?xml version="1.0" encoding="utf-8"?>
-<p:sld xmlns:a="http://schemas.openxmlformats.org/drawingml/2006/main" xmlns:r="http://schemas.openxmlformats.org/officeDocument/2006/relationships" xmlns:p="http://schemas.openxmlformats.org/presentationml/2006/main">
-  <p:cSld>
-    <p:spTree>
-      <p:nvGrpSpPr>
-        <p:cNvPr id="1" name=""/>
-        <p:cNvGrpSpPr/>
-        <p:nvPr/>
-      </p:nvGrpSpPr>
-      <p:grpSpPr>
-        <a:xfrm>
-          <a:off x="0" y="0"/>
-          <a:ext cx="0" cy="0"/>
-          <a:chOff x="0" y="0"/>
-          <a:chExt cx="0" cy="0"/>
-        </a:xfrm>
-      </p:grpSpPr>
-      <p:sp>
-        <p:nvSpPr>
-          <p:cNvPr id="2" name="Title 1">
-            <a:extLst>
-              <a:ext uri="{FF2B5EF4-FFF2-40B4-BE49-F238E27FC236}">
-                <a16:creationId xmlns:a16="http://schemas.microsoft.com/office/drawing/2014/main" id="{CA317722-9261-B16F-DF2C-8CF6D23E8851}"/>
-              </a:ext>
-            </a:extLst>
-          </p:cNvPr>
-          <p:cNvSpPr>
-            <a:spLocks noGrp="1"/>
-          </p:cNvSpPr>
-          <p:nvPr>
-            <p:ph type="ctrTitle"/>
-          </p:nvPr>
-        </p:nvSpPr>
-        <p:spPr/>
-        <p:txBody>
-          <a:bodyPr/>
-          <a:lstStyle/>
-          <a:p>
-            <a:r>
-              <a:rPr lang="en-US" dirty="0"/>
-              <a:t>Solution</a:t>
-            </a:r>
-          </a:p>
-        </p:txBody>
-      </p:sp>
-      <p:sp>
-        <p:nvSpPr>
-          <p:cNvPr id="3" name="Subtitle 2">
-            <a:extLst>
-              <a:ext uri="{FF2B5EF4-FFF2-40B4-BE49-F238E27FC236}">
-                <a16:creationId xmlns:a16="http://schemas.microsoft.com/office/drawing/2014/main" id="{043C9A1C-775D-C72F-DB2C-E4FD1E85D80F}"/>
-              </a:ext>
-            </a:extLst>
-          </p:cNvPr>
-          <p:cNvSpPr>
-            <a:spLocks noGrp="1"/>
-          </p:cNvSpPr>
-          <p:nvPr>
-            <p:ph type="subTitle" idx="1"/>
-          </p:nvPr>
-        </p:nvSpPr>
-        <p:spPr/>
-        <p:txBody>
-          <a:bodyPr/>
-          <a:lstStyle/>
-          <a:p>
-            <a:endParaRPr lang="en-US" dirty="0"/>
-          </a:p>
-        </p:txBody>
-      </p:sp>
-    </p:spTree>
-    <p:extLst>
-      <p:ext uri="{BB962C8B-B14F-4D97-AF65-F5344CB8AC3E}">
-        <p14:creationId xmlns:p14="http://schemas.microsoft.com/office/powerpoint/2010/main" val="3901014800"/>
-      </p:ext>
-    </p:extLst>
-  </p:cSld>
-  <p:clrMapOvr>
-    <a:masterClrMapping/>
-  </p:clrMapOvr>
-</p:sld>
-</file>
-
-<file path=ppt/slides/slide5.xml><?xml version="1.0" encoding="utf-8"?>
-<p:sld xmlns:a="http://schemas.openxmlformats.org/drawingml/2006/main" xmlns:r="http://schemas.openxmlformats.org/officeDocument/2006/relationships" xmlns:p="http://schemas.openxmlformats.org/presentationml/2006/main">
-  <p:cSld>
-    <p:spTree>
-      <p:nvGrpSpPr>
-        <p:cNvPr id="1" name=""/>
-        <p:cNvGrpSpPr/>
-        <p:nvPr/>
-      </p:nvGrpSpPr>
-      <p:grpSpPr>
-        <a:xfrm>
-          <a:off x="0" y="0"/>
-          <a:ext cx="0" cy="0"/>
-          <a:chOff x="0" y="0"/>
-          <a:chExt cx="0" cy="0"/>
-        </a:xfrm>
-      </p:grpSpPr>
-      <p:sp>
-        <p:nvSpPr>
-          <p:cNvPr id="3" name="Content Placeholder 2">
-            <a:extLst>
-              <a:ext uri="{FF2B5EF4-FFF2-40B4-BE49-F238E27FC236}">
-                <a16:creationId xmlns:a16="http://schemas.microsoft.com/office/drawing/2014/main" id="{96CDCBB5-F920-439D-300B-0E92937B8E3D}"/>
-              </a:ext>
-            </a:extLst>
-          </p:cNvPr>
-          <p:cNvSpPr>
-            <a:spLocks noGrp="1"/>
-          </p:cNvSpPr>
-          <p:nvPr>
-            <p:ph idx="1"/>
-          </p:nvPr>
-        </p:nvSpPr>
-        <p:spPr>
-          <a:xfrm>
-            <a:off x="1295401" y="1136073"/>
-            <a:ext cx="9601196" cy="4739795"/>
-          </a:xfrm>
-        </p:spPr>
-        <p:txBody>
-          <a:bodyPr/>
-          <a:lstStyle/>
-          <a:p>
-            <a:r>
-              <a:rPr lang="en-US" dirty="0"/>
-              <a:t>1) 4.  This is a trick problem since people often overlook the end points with single edge and get 2 as the answer.  However, looking at the picture it should be obvious that it is not possible to draw the image with 2 strokes.  Thus, one should do a quick check to see if one is missing something.  This is a good habit to develop in solving problems.</a:t>
-            </a:r>
-          </a:p>
-          <a:p>
-            <a:r>
-              <a:rPr lang="en-US" dirty="0"/>
-              <a:t>2) 6. This is another trick problem because people can overlook the button at the base of the lamp.</a:t>
-            </a:r>
-          </a:p>
-          <a:p>
-            <a:r>
-              <a:rPr lang="en-US" dirty="0"/>
-              <a:t>3) 4</a:t>
-            </a:r>
-          </a:p>
-          <a:p>
-            <a:r>
-              <a:rPr lang="en-US" dirty="0"/>
-              <a:t>4) 5.  This is yet another trick problem </a:t>
-            </a:r>
-            <a:r>
-              <a:rPr lang="en-US" dirty="0">
-                <a:sym typeface="Wingdings" panose="05000000000000000000" pitchFamily="2" charset="2"/>
-              </a:rPr>
-              <a:t></a:t>
-            </a:r>
-            <a:endParaRPr lang="en-US" dirty="0"/>
-          </a:p>
-          <a:p>
-            <a:endParaRPr lang="en-US" dirty="0"/>
-          </a:p>
-        </p:txBody>
-      </p:sp>
-    </p:spTree>
-    <p:extLst>
-      <p:ext uri="{BB962C8B-B14F-4D97-AF65-F5344CB8AC3E}">
-        <p14:creationId xmlns:p14="http://schemas.microsoft.com/office/powerpoint/2010/main" val="1547766329"/>
-      </p:ext>
-    </p:extLst>
-  </p:cSld>
-  <p:clrMapOvr>
-    <a:masterClrMapping/>
-  </p:clrMapOvr>
-</p:sld>
-</file>
-
 <file path=ppt/theme/theme1.xml><?xml version="1.0" encoding="utf-8"?>
 <a:theme xmlns:a="http://schemas.openxmlformats.org/drawingml/2006/main" name="Organic">
   <a:themeElements>
